--- a/SoC session/SoC.pptx
+++ b/SoC session/SoC.pptx
@@ -12521,7 +12521,7 @@
               </a:defRPr>
             </a:pPr>
             <a:r>
-              <a:t>Help students build a strong network when applying for jobs </a:t>
+              <a:t>Build a strong network when applying for jobs </a:t>
             </a:r>
           </a:p>
         </p:txBody>
